--- a/presentation/Draft_WIP.pptx
+++ b/presentation/Draft_WIP.pptx
@@ -268,7 +268,7 @@
           <a:p>
             <a:fld id="{7D7776A5-21CC-F24B-97BE-CF67D8827C44}" type="datetimeFigureOut">
               <a:rPr lang="de-CH" smtClean="0"/>
-              <a:t>25.11.18</a:t>
+              <a:t>26.11.2018</a:t>
             </a:fld>
             <a:endParaRPr lang="de-CH"/>
           </a:p>
@@ -468,7 +468,7 @@
           <a:p>
             <a:fld id="{7D7776A5-21CC-F24B-97BE-CF67D8827C44}" type="datetimeFigureOut">
               <a:rPr lang="de-CH" smtClean="0"/>
-              <a:t>25.11.18</a:t>
+              <a:t>26.11.2018</a:t>
             </a:fld>
             <a:endParaRPr lang="de-CH"/>
           </a:p>
@@ -678,7 +678,7 @@
           <a:p>
             <a:fld id="{7D7776A5-21CC-F24B-97BE-CF67D8827C44}" type="datetimeFigureOut">
               <a:rPr lang="de-CH" smtClean="0"/>
-              <a:t>25.11.18</a:t>
+              <a:t>26.11.2018</a:t>
             </a:fld>
             <a:endParaRPr lang="de-CH"/>
           </a:p>
@@ -878,7 +878,7 @@
           <a:p>
             <a:fld id="{7D7776A5-21CC-F24B-97BE-CF67D8827C44}" type="datetimeFigureOut">
               <a:rPr lang="de-CH" smtClean="0"/>
-              <a:t>25.11.18</a:t>
+              <a:t>26.11.2018</a:t>
             </a:fld>
             <a:endParaRPr lang="de-CH"/>
           </a:p>
@@ -1154,7 +1154,7 @@
           <a:p>
             <a:fld id="{7D7776A5-21CC-F24B-97BE-CF67D8827C44}" type="datetimeFigureOut">
               <a:rPr lang="de-CH" smtClean="0"/>
-              <a:t>25.11.18</a:t>
+              <a:t>26.11.2018</a:t>
             </a:fld>
             <a:endParaRPr lang="de-CH"/>
           </a:p>
@@ -1422,7 +1422,7 @@
           <a:p>
             <a:fld id="{7D7776A5-21CC-F24B-97BE-CF67D8827C44}" type="datetimeFigureOut">
               <a:rPr lang="de-CH" smtClean="0"/>
-              <a:t>25.11.18</a:t>
+              <a:t>26.11.2018</a:t>
             </a:fld>
             <a:endParaRPr lang="de-CH"/>
           </a:p>
@@ -1837,7 +1837,7 @@
           <a:p>
             <a:fld id="{7D7776A5-21CC-F24B-97BE-CF67D8827C44}" type="datetimeFigureOut">
               <a:rPr lang="de-CH" smtClean="0"/>
-              <a:t>25.11.18</a:t>
+              <a:t>26.11.2018</a:t>
             </a:fld>
             <a:endParaRPr lang="de-CH"/>
           </a:p>
@@ -1979,7 +1979,7 @@
           <a:p>
             <a:fld id="{7D7776A5-21CC-F24B-97BE-CF67D8827C44}" type="datetimeFigureOut">
               <a:rPr lang="de-CH" smtClean="0"/>
-              <a:t>25.11.18</a:t>
+              <a:t>26.11.2018</a:t>
             </a:fld>
             <a:endParaRPr lang="de-CH"/>
           </a:p>
@@ -2092,7 +2092,7 @@
           <a:p>
             <a:fld id="{7D7776A5-21CC-F24B-97BE-CF67D8827C44}" type="datetimeFigureOut">
               <a:rPr lang="de-CH" smtClean="0"/>
-              <a:t>25.11.18</a:t>
+              <a:t>26.11.2018</a:t>
             </a:fld>
             <a:endParaRPr lang="de-CH"/>
           </a:p>
@@ -2405,7 +2405,7 @@
           <a:p>
             <a:fld id="{7D7776A5-21CC-F24B-97BE-CF67D8827C44}" type="datetimeFigureOut">
               <a:rPr lang="de-CH" smtClean="0"/>
-              <a:t>25.11.18</a:t>
+              <a:t>26.11.2018</a:t>
             </a:fld>
             <a:endParaRPr lang="de-CH"/>
           </a:p>
@@ -2694,7 +2694,7 @@
           <a:p>
             <a:fld id="{7D7776A5-21CC-F24B-97BE-CF67D8827C44}" type="datetimeFigureOut">
               <a:rPr lang="de-CH" smtClean="0"/>
-              <a:t>25.11.18</a:t>
+              <a:t>26.11.2018</a:t>
             </a:fld>
             <a:endParaRPr lang="de-CH"/>
           </a:p>
@@ -2937,7 +2937,7 @@
           <a:p>
             <a:fld id="{7D7776A5-21CC-F24B-97BE-CF67D8827C44}" type="datetimeFigureOut">
               <a:rPr lang="de-CH" smtClean="0"/>
-              <a:t>25.11.18</a:t>
+              <a:t>26.11.2018</a:t>
             </a:fld>
             <a:endParaRPr lang="de-CH"/>
           </a:p>
@@ -3880,13 +3880,13 @@
         <p:spPr/>
         <p:txBody>
           <a:bodyPr>
-            <a:normAutofit lnSpcReduction="10000"/>
+            <a:normAutofit/>
           </a:bodyPr>
           <a:lstStyle/>
           <a:p>
             <a:r>
               <a:rPr lang="en-US" dirty="0"/>
-              <a:t>What if more than two players want to play?</a:t>
+              <a:t>What if a player is bound to lose and simply doesn’t continue his turn?</a:t>
             </a:r>
           </a:p>
           <a:p>
@@ -3896,13 +3896,17 @@
             </a:pPr>
             <a:r>
               <a:rPr lang="en-US" dirty="0"/>
-              <a:t>Simplicity: the game is time locked</a:t>
-            </a:r>
-          </a:p>
-          <a:p>
-            <a:r>
-              <a:rPr lang="en-US" dirty="0"/>
-              <a:t>What if a player bets 1’000 ether and blocks the contract?</a:t>
+              <a:t>Incentive to give up: small payout for loser</a:t>
+            </a:r>
+          </a:p>
+          <a:p>
+            <a:r>
+              <a:rPr lang="en-US" dirty="0">
+                <a:highlight>
+                  <a:srgbClr val="FF0000"/>
+                </a:highlight>
+              </a:rPr>
+              <a:t>What if someone plays who knows that the game is solved?</a:t>
             </a:r>
           </a:p>
           <a:p>
@@ -3911,39 +3915,11 @@
               <a:buChar char="Ø"/>
             </a:pPr>
             <a:r>
-              <a:rPr lang="en-US" dirty="0"/>
-              <a:t>Simplicity: the bets are restricted to 10 ether</a:t>
-            </a:r>
-          </a:p>
-          <a:p>
-            <a:r>
-              <a:rPr lang="en-US" dirty="0"/>
-              <a:t>What if a player is bound to lose and simply doesn’t continue his turn?</a:t>
-            </a:r>
-          </a:p>
-          <a:p>
-            <a:pPr marL="285750" indent="-285750">
-              <a:buFont typeface="Wingdings" pitchFamily="2" charset="2"/>
-              <a:buChar char="Ø"/>
-            </a:pPr>
-            <a:r>
-              <a:rPr lang="en-US" dirty="0"/>
-              <a:t>Incentive to give up: small payout for loser</a:t>
-            </a:r>
-          </a:p>
-          <a:p>
-            <a:r>
-              <a:rPr lang="en-US" dirty="0"/>
-              <a:t>What if someone plays who knows that the game is solved?</a:t>
-            </a:r>
-          </a:p>
-          <a:p>
-            <a:pPr marL="285750" indent="-285750">
-              <a:buFont typeface="Wingdings" pitchFamily="2" charset="2"/>
-              <a:buChar char="Ø"/>
-            </a:pPr>
-            <a:r>
-              <a:rPr lang="en-US" dirty="0"/>
+              <a:rPr lang="en-US" dirty="0">
+                <a:highlight>
+                  <a:srgbClr val="FF0000"/>
+                </a:highlight>
+              </a:rPr>
               <a:t>New Rules!</a:t>
             </a:r>
           </a:p>
@@ -4881,6 +4857,12 @@
                         </m:r>
                       </m:sup>
                     </m:sSup>
+                    <m:r>
+                      <a:rPr lang="de-CH" b="0" i="1" smtClean="0">
+                        <a:latin typeface="Cambria Math" panose="02040503050406030204" pitchFamily="18" charset="0"/>
+                      </a:rPr>
+                      <m:t>−1</m:t>
+                    </m:r>
                   </m:oMath>
                 </a14:m>
                 <a:endParaRPr lang="en-US" dirty="0">
@@ -4924,7 +4906,7 @@
               <a:blipFill>
                 <a:blip r:embed="rId2"/>
                 <a:stretch>
-                  <a:fillRect l="-643" t="-923"/>
+                  <a:fillRect l="-930" t="-1039"/>
                 </a:stretch>
               </a:blipFill>
             </p:spPr>
@@ -4933,7 +4915,7 @@
               <a:lstStyle/>
               <a:p>
                 <a:r>
-                  <a:rPr lang="de-DE">
+                  <a:rPr lang="de-CH">
                     <a:noFill/>
                   </a:rPr>
                   <a:t> </a:t>
@@ -5538,7 +5520,7 @@
                 </a:solidFill>
                 <a:latin typeface="Courier" pitchFamily="2" charset="0"/>
               </a:rPr>
-              <a:t>// a = 48271, c = 0, m = 2**32 (=4294967295)</a:t>
+              <a:t>// a = 48271, c = 0, m = 2**32-1 (=4294967295)</a:t>
             </a:r>
           </a:p>
           <a:p>
